--- a/Varios/Presentacion_GestionBuses.pptx
+++ b/Varios/Presentacion_GestionBuses.pptx
@@ -5,7 +5,7 @@
     <p:sldMasterId id="2147483648" r:id="rId1"/>
   </p:sldMasterIdLst>
   <p:notesMasterIdLst>
-    <p:notesMasterId r:id="rId14"/>
+    <p:notesMasterId r:id="rId15"/>
   </p:notesMasterIdLst>
   <p:sldIdLst>
     <p:sldId id="256" r:id="rId2"/>
@@ -20,6 +20,7 @@
     <p:sldId id="262" r:id="rId11"/>
     <p:sldId id="265" r:id="rId12"/>
     <p:sldId id="266" r:id="rId13"/>
+    <p:sldId id="268" r:id="rId14"/>
   </p:sldIdLst>
   <p:sldSz cx="9144000" cy="6858000" type="screen4x3"/>
   <p:notesSz cx="6858000" cy="9144000"/>
@@ -219,7 +220,7 @@
           <a:p>
             <a:fld id="{019CA70F-7CE0-4E15-907D-B0DBD8AADF9C}" type="datetimeFigureOut">
               <a:rPr lang="es-EC" smtClean="0"/>
-              <a:t>3/6/2025</a:t>
+              <a:t>6/6/2025</a:t>
             </a:fld>
             <a:endParaRPr lang="es-EC"/>
           </a:p>
@@ -750,7 +751,7 @@
           <a:p>
             <a:fld id="{5BCAD085-E8A6-8845-BD4E-CB4CCA059FC4}" type="datetimeFigureOut">
               <a:rPr lang="en-US" smtClean="0"/>
-              <a:t>6/3/2025</a:t>
+              <a:t>6/6/2025</a:t>
             </a:fld>
             <a:endParaRPr lang="en-US"/>
           </a:p>
@@ -918,7 +919,7 @@
           <a:p>
             <a:fld id="{5BCAD085-E8A6-8845-BD4E-CB4CCA059FC4}" type="datetimeFigureOut">
               <a:rPr lang="en-US" smtClean="0"/>
-              <a:t>6/3/2025</a:t>
+              <a:t>6/6/2025</a:t>
             </a:fld>
             <a:endParaRPr lang="en-US"/>
           </a:p>
@@ -1096,7 +1097,7 @@
           <a:p>
             <a:fld id="{5BCAD085-E8A6-8845-BD4E-CB4CCA059FC4}" type="datetimeFigureOut">
               <a:rPr lang="en-US" smtClean="0"/>
-              <a:t>6/3/2025</a:t>
+              <a:t>6/6/2025</a:t>
             </a:fld>
             <a:endParaRPr lang="en-US"/>
           </a:p>
@@ -1264,7 +1265,7 @@
           <a:p>
             <a:fld id="{5BCAD085-E8A6-8845-BD4E-CB4CCA059FC4}" type="datetimeFigureOut">
               <a:rPr lang="en-US" smtClean="0"/>
-              <a:t>6/3/2025</a:t>
+              <a:t>6/6/2025</a:t>
             </a:fld>
             <a:endParaRPr lang="en-US"/>
           </a:p>
@@ -1509,7 +1510,7 @@
           <a:p>
             <a:fld id="{5BCAD085-E8A6-8845-BD4E-CB4CCA059FC4}" type="datetimeFigureOut">
               <a:rPr lang="en-US" smtClean="0"/>
-              <a:t>6/3/2025</a:t>
+              <a:t>6/6/2025</a:t>
             </a:fld>
             <a:endParaRPr lang="en-US"/>
           </a:p>
@@ -1794,7 +1795,7 @@
           <a:p>
             <a:fld id="{5BCAD085-E8A6-8845-BD4E-CB4CCA059FC4}" type="datetimeFigureOut">
               <a:rPr lang="en-US" smtClean="0"/>
-              <a:t>6/3/2025</a:t>
+              <a:t>6/6/2025</a:t>
             </a:fld>
             <a:endParaRPr lang="en-US"/>
           </a:p>
@@ -2213,7 +2214,7 @@
           <a:p>
             <a:fld id="{5BCAD085-E8A6-8845-BD4E-CB4CCA059FC4}" type="datetimeFigureOut">
               <a:rPr lang="en-US" smtClean="0"/>
-              <a:t>6/3/2025</a:t>
+              <a:t>6/6/2025</a:t>
             </a:fld>
             <a:endParaRPr lang="en-US"/>
           </a:p>
@@ -2330,7 +2331,7 @@
           <a:p>
             <a:fld id="{5BCAD085-E8A6-8845-BD4E-CB4CCA059FC4}" type="datetimeFigureOut">
               <a:rPr lang="en-US" smtClean="0"/>
-              <a:t>6/3/2025</a:t>
+              <a:t>6/6/2025</a:t>
             </a:fld>
             <a:endParaRPr lang="en-US"/>
           </a:p>
@@ -2425,7 +2426,7 @@
           <a:p>
             <a:fld id="{5BCAD085-E8A6-8845-BD4E-CB4CCA059FC4}" type="datetimeFigureOut">
               <a:rPr lang="en-US" smtClean="0"/>
-              <a:t>6/3/2025</a:t>
+              <a:t>6/6/2025</a:t>
             </a:fld>
             <a:endParaRPr lang="en-US"/>
           </a:p>
@@ -2700,7 +2701,7 @@
           <a:p>
             <a:fld id="{5BCAD085-E8A6-8845-BD4E-CB4CCA059FC4}" type="datetimeFigureOut">
               <a:rPr lang="en-US" smtClean="0"/>
-              <a:t>6/3/2025</a:t>
+              <a:t>6/6/2025</a:t>
             </a:fld>
             <a:endParaRPr lang="en-US"/>
           </a:p>
@@ -2952,7 +2953,7 @@
           <a:p>
             <a:fld id="{5BCAD085-E8A6-8845-BD4E-CB4CCA059FC4}" type="datetimeFigureOut">
               <a:rPr lang="en-US" smtClean="0"/>
-              <a:t>6/3/2025</a:t>
+              <a:t>6/6/2025</a:t>
             </a:fld>
             <a:endParaRPr lang="en-US"/>
           </a:p>
@@ -3173,7 +3174,7 @@
           <a:p>
             <a:fld id="{5BCAD085-E8A6-8845-BD4E-CB4CCA059FC4}" type="datetimeFigureOut">
               <a:rPr lang="en-US" smtClean="0"/>
-              <a:t>6/3/2025</a:t>
+              <a:t>6/6/2025</a:t>
             </a:fld>
             <a:endParaRPr lang="en-US"/>
           </a:p>
@@ -3564,7 +3565,16 @@
           <a:lstStyle/>
           <a:p>
             <a:r>
-              <a:t>Sistema de Gestión de Buses</a:t>
+              <a:rPr dirty="0"/>
+              <a:t>Sistema de </a:t>
+            </a:r>
+            <a:r>
+              <a:rPr dirty="0" err="1"/>
+              <a:t>Gestión</a:t>
+            </a:r>
+            <a:r>
+              <a:rPr dirty="0"/>
+              <a:t> de Buses</a:t>
             </a:r>
           </a:p>
         </p:txBody>
@@ -3718,8 +3728,8 @@
         </p:nvSpPr>
         <p:spPr>
           <a:xfrm>
-            <a:off x="843699" y="751951"/>
-            <a:ext cx="6839146" cy="639762"/>
+            <a:off x="843698" y="292231"/>
+            <a:ext cx="7037109" cy="1099482"/>
           </a:xfrm>
         </p:spPr>
         <p:txBody>
@@ -3730,7 +3740,14 @@
           <a:p>
             <a:r>
               <a:rPr lang="es-MX" b="1" dirty="0"/>
-              <a:t>Sugerencia</a:t>
+              <a:t> </a:t>
+            </a:r>
+            <a:r>
+              <a:rPr lang="es-MX" b="1" dirty="0">
+                <a:latin typeface="Times New Roman" panose="02020603050405020304" pitchFamily="18" charset="0"/>
+                <a:cs typeface="Times New Roman" panose="02020603050405020304" pitchFamily="18" charset="0"/>
+              </a:rPr>
+              <a:t>Sugerencias</a:t>
             </a:r>
             <a:br>
               <a:rPr lang="es-MX" b="1" dirty="0"/>
@@ -3772,7 +3789,7 @@
             </a:pPr>
             <a:r>
               <a:rPr lang="es-MX" dirty="0"/>
-              <a:t>Sería útil agregar una opción para que el moderador pueda editar o eliminar la información de los buses ya registrados. Esto permitiría corregir errores o actualizar horarios y rutas fácilmente.</a:t>
+              <a:t>Sería útil agregar una opción para que el moderador pueda editar información de los buses ya registrados. Esto permitiría corregir errores o actualizar horarios y rutas fácilmente.</a:t>
             </a:r>
             <a:endParaRPr lang="es-EC" dirty="0"/>
           </a:p>
@@ -3837,7 +3854,14 @@
           <a:lstStyle/>
           <a:p>
             <a:r>
-              <a:rPr lang="es-MX" b="1" dirty="0" err="1"/>
+              <a:rPr lang="es-MX" b="1" dirty="0"/>
+              <a:t> </a:t>
+            </a:r>
+            <a:r>
+              <a:rPr lang="es-MX" b="1" dirty="0" err="1">
+                <a:latin typeface="Times New Roman" panose="02020603050405020304" pitchFamily="18" charset="0"/>
+                <a:cs typeface="Times New Roman" panose="02020603050405020304" pitchFamily="18" charset="0"/>
+              </a:rPr>
               <a:t>Conclusion</a:t>
             </a:r>
             <a:br>
@@ -3911,6 +3935,86 @@
     <p:extLst>
       <p:ext uri="{BB962C8B-B14F-4D97-AF65-F5344CB8AC3E}">
         <p14:creationId xmlns:p14="http://schemas.microsoft.com/office/powerpoint/2010/main" val="837504422"/>
+      </p:ext>
+    </p:extLst>
+  </p:cSld>
+  <p:clrMapOvr>
+    <a:masterClrMapping/>
+  </p:clrMapOvr>
+</p:sld>
+</file>
+
+<file path=ppt/slides/slide13.xml><?xml version="1.0" encoding="utf-8"?>
+<p:sld xmlns:a="http://schemas.openxmlformats.org/drawingml/2006/main" xmlns:r="http://schemas.openxmlformats.org/officeDocument/2006/relationships" xmlns:p="http://schemas.openxmlformats.org/presentationml/2006/main">
+  <p:cSld>
+    <p:spTree>
+      <p:nvGrpSpPr>
+        <p:cNvPr id="1" name=""/>
+        <p:cNvGrpSpPr/>
+        <p:nvPr/>
+      </p:nvGrpSpPr>
+      <p:grpSpPr>
+        <a:xfrm>
+          <a:off x="0" y="0"/>
+          <a:ext cx="0" cy="0"/>
+          <a:chOff x="0" y="0"/>
+          <a:chExt cx="0" cy="0"/>
+        </a:xfrm>
+      </p:grpSpPr>
+      <p:sp>
+        <p:nvSpPr>
+          <p:cNvPr id="2" name="Título 1">
+            <a:extLst>
+              <a:ext uri="{FF2B5EF4-FFF2-40B4-BE49-F238E27FC236}">
+                <a16:creationId xmlns:a16="http://schemas.microsoft.com/office/drawing/2014/main" id="{27AC953C-59CE-7229-FA6D-10B0F86B5BA7}"/>
+              </a:ext>
+            </a:extLst>
+          </p:cNvPr>
+          <p:cNvSpPr>
+            <a:spLocks noGrp="1"/>
+          </p:cNvSpPr>
+          <p:nvPr>
+            <p:ph type="title"/>
+          </p:nvPr>
+        </p:nvSpPr>
+        <p:spPr/>
+        <p:txBody>
+          <a:bodyPr/>
+          <a:lstStyle/>
+          <a:p>
+            <a:endParaRPr lang="es-EC"/>
+          </a:p>
+        </p:txBody>
+      </p:sp>
+      <p:sp>
+        <p:nvSpPr>
+          <p:cNvPr id="3" name="Marcador de contenido 2">
+            <a:extLst>
+              <a:ext uri="{FF2B5EF4-FFF2-40B4-BE49-F238E27FC236}">
+                <a16:creationId xmlns:a16="http://schemas.microsoft.com/office/drawing/2014/main" id="{403028B2-5502-FC04-6F3D-1FFC760BDA33}"/>
+              </a:ext>
+            </a:extLst>
+          </p:cNvPr>
+          <p:cNvSpPr>
+            <a:spLocks noGrp="1"/>
+          </p:cNvSpPr>
+          <p:nvPr>
+            <p:ph idx="1"/>
+          </p:nvPr>
+        </p:nvSpPr>
+        <p:spPr/>
+        <p:txBody>
+          <a:bodyPr/>
+          <a:lstStyle/>
+          <a:p>
+            <a:endParaRPr lang="es-EC" dirty="0"/>
+          </a:p>
+        </p:txBody>
+      </p:sp>
+    </p:spTree>
+    <p:extLst>
+      <p:ext uri="{BB962C8B-B14F-4D97-AF65-F5344CB8AC3E}">
+        <p14:creationId xmlns:p14="http://schemas.microsoft.com/office/powerpoint/2010/main" val="1828684673"/>
       </p:ext>
     </p:extLst>
   </p:cSld>
@@ -4722,9 +4826,16 @@
             <p:ph type="title"/>
           </p:nvPr>
         </p:nvSpPr>
-        <p:spPr/>
-        <p:txBody>
-          <a:bodyPr/>
+        <p:spPr>
+          <a:xfrm>
+            <a:off x="1852367" y="-82951"/>
+            <a:ext cx="4407031" cy="583202"/>
+          </a:xfrm>
+        </p:spPr>
+        <p:txBody>
+          <a:bodyPr>
+            <a:normAutofit fontScale="90000"/>
+          </a:bodyPr>
           <a:lstStyle/>
           <a:p>
             <a:r>
@@ -4737,10 +4848,10 @@
       </p:sp>
       <p:pic>
         <p:nvPicPr>
-          <p:cNvPr id="7" name="Imagen 6">
+          <p:cNvPr id="4" name="Imagen 3">
             <a:extLst>
               <a:ext uri="{FF2B5EF4-FFF2-40B4-BE49-F238E27FC236}">
-                <a16:creationId xmlns:a16="http://schemas.microsoft.com/office/drawing/2014/main" id="{F83274FC-DCA1-A082-F756-655232099FEF}"/>
+                <a16:creationId xmlns:a16="http://schemas.microsoft.com/office/drawing/2014/main" id="{F40578B1-64E8-4158-4D7C-227FB92B0D88}"/>
               </a:ext>
             </a:extLst>
           </p:cNvPr>
@@ -4757,8 +4868,8 @@
         </p:blipFill>
         <p:spPr>
           <a:xfrm>
-            <a:off x="1129302" y="1417638"/>
-            <a:ext cx="6449849" cy="4759715"/>
+            <a:off x="558733" y="500251"/>
+            <a:ext cx="7721229" cy="6061600"/>
           </a:xfrm>
           <a:prstGeom prst="rect">
             <a:avLst/>
@@ -4872,7 +4983,7 @@
             </a:pPr>
             <a:r>
               <a:rPr lang="es-EC" dirty="0" err="1"/>
-              <a:t>RegistroParadas</a:t>
+              <a:t>RegistrarBus</a:t>
             </a:r>
             <a:r>
               <a:rPr lang="es-EC" dirty="0"/>
@@ -4888,1408 +4999,36 @@
           </a:p>
         </p:txBody>
       </p:sp>
-      <p:sp>
-        <p:nvSpPr>
-          <p:cNvPr id="8" name="Content Placeholder 2">
+      <p:pic>
+        <p:nvPicPr>
+          <p:cNvPr id="5" name="Imagen 4">
             <a:extLst>
               <a:ext uri="{FF2B5EF4-FFF2-40B4-BE49-F238E27FC236}">
-                <a16:creationId xmlns:a16="http://schemas.microsoft.com/office/drawing/2014/main" id="{BDD3094E-DCCC-34D1-AC9C-BCBB6C836ACC}"/>
+                <a16:creationId xmlns:a16="http://schemas.microsoft.com/office/drawing/2014/main" id="{40D3E9C7-3AE7-665B-87AA-B61298889DCA}"/>
               </a:ext>
             </a:extLst>
           </p:cNvPr>
-          <p:cNvSpPr txBox="1">
-            <a:spLocks/>
-          </p:cNvSpPr>
+          <p:cNvPicPr>
+            <a:picLocks noChangeAspect="1"/>
+          </p:cNvPicPr>
           <p:nvPr/>
-        </p:nvSpPr>
+        </p:nvPicPr>
+        <p:blipFill>
+          <a:blip r:embed="rId3"/>
+          <a:stretch>
+            <a:fillRect/>
+          </a:stretch>
+        </p:blipFill>
         <p:spPr>
           <a:xfrm>
-            <a:off x="145329" y="1392024"/>
-            <a:ext cx="4313549" cy="4922838"/>
+            <a:off x="2545236" y="796618"/>
+            <a:ext cx="6184465" cy="5872845"/>
           </a:xfrm>
           <a:prstGeom prst="rect">
             <a:avLst/>
           </a:prstGeom>
         </p:spPr>
-        <p:txBody>
-          <a:bodyPr vert="horz" lIns="91440" tIns="45720" rIns="91440" bIns="45720" rtlCol="0">
-            <a:normAutofit fontScale="47500" lnSpcReduction="20000"/>
-          </a:bodyPr>
-          <a:lstStyle>
-            <a:lvl1pPr marL="342900" indent="-342900" algn="l" defTabSz="457200" rtl="0" eaLnBrk="1" latinLnBrk="0" hangingPunct="1">
-              <a:spcBef>
-                <a:spcPct val="20000"/>
-              </a:spcBef>
-              <a:buFont typeface="Arial"/>
-              <a:buChar char="•"/>
-              <a:defRPr sz="3200" kern="1200">
-                <a:solidFill>
-                  <a:schemeClr val="tx1"/>
-                </a:solidFill>
-                <a:latin typeface="+mn-lt"/>
-                <a:ea typeface="+mn-ea"/>
-                <a:cs typeface="+mn-cs"/>
-              </a:defRPr>
-            </a:lvl1pPr>
-            <a:lvl2pPr marL="742950" indent="-285750" algn="l" defTabSz="457200" rtl="0" eaLnBrk="1" latinLnBrk="0" hangingPunct="1">
-              <a:spcBef>
-                <a:spcPct val="20000"/>
-              </a:spcBef>
-              <a:buFont typeface="Arial"/>
-              <a:buChar char="–"/>
-              <a:defRPr sz="2800" kern="1200">
-                <a:solidFill>
-                  <a:schemeClr val="tx1"/>
-                </a:solidFill>
-                <a:latin typeface="+mn-lt"/>
-                <a:ea typeface="+mn-ea"/>
-                <a:cs typeface="+mn-cs"/>
-              </a:defRPr>
-            </a:lvl2pPr>
-            <a:lvl3pPr marL="1143000" indent="-228600" algn="l" defTabSz="457200" rtl="0" eaLnBrk="1" latinLnBrk="0" hangingPunct="1">
-              <a:spcBef>
-                <a:spcPct val="20000"/>
-              </a:spcBef>
-              <a:buFont typeface="Arial"/>
-              <a:buChar char="•"/>
-              <a:defRPr sz="2400" kern="1200">
-                <a:solidFill>
-                  <a:schemeClr val="tx1"/>
-                </a:solidFill>
-                <a:latin typeface="+mn-lt"/>
-                <a:ea typeface="+mn-ea"/>
-                <a:cs typeface="+mn-cs"/>
-              </a:defRPr>
-            </a:lvl3pPr>
-            <a:lvl4pPr marL="1600200" indent="-228600" algn="l" defTabSz="457200" rtl="0" eaLnBrk="1" latinLnBrk="0" hangingPunct="1">
-              <a:spcBef>
-                <a:spcPct val="20000"/>
-              </a:spcBef>
-              <a:buFont typeface="Arial"/>
-              <a:buChar char="–"/>
-              <a:defRPr sz="2000" kern="1200">
-                <a:solidFill>
-                  <a:schemeClr val="tx1"/>
-                </a:solidFill>
-                <a:latin typeface="+mn-lt"/>
-                <a:ea typeface="+mn-ea"/>
-                <a:cs typeface="+mn-cs"/>
-              </a:defRPr>
-            </a:lvl4pPr>
-            <a:lvl5pPr marL="2057400" indent="-228600" algn="l" defTabSz="457200" rtl="0" eaLnBrk="1" latinLnBrk="0" hangingPunct="1">
-              <a:spcBef>
-                <a:spcPct val="20000"/>
-              </a:spcBef>
-              <a:buFont typeface="Arial"/>
-              <a:buChar char="»"/>
-              <a:defRPr sz="2000" kern="1200">
-                <a:solidFill>
-                  <a:schemeClr val="tx1"/>
-                </a:solidFill>
-                <a:latin typeface="+mn-lt"/>
-                <a:ea typeface="+mn-ea"/>
-                <a:cs typeface="+mn-cs"/>
-              </a:defRPr>
-            </a:lvl5pPr>
-            <a:lvl6pPr marL="2514600" indent="-228600" algn="l" defTabSz="457200" rtl="0" eaLnBrk="1" latinLnBrk="0" hangingPunct="1">
-              <a:spcBef>
-                <a:spcPct val="20000"/>
-              </a:spcBef>
-              <a:buFont typeface="Arial"/>
-              <a:buChar char="•"/>
-              <a:defRPr sz="2000" kern="1200">
-                <a:solidFill>
-                  <a:schemeClr val="tx1"/>
-                </a:solidFill>
-                <a:latin typeface="+mn-lt"/>
-                <a:ea typeface="+mn-ea"/>
-                <a:cs typeface="+mn-cs"/>
-              </a:defRPr>
-            </a:lvl6pPr>
-            <a:lvl7pPr marL="2971800" indent="-228600" algn="l" defTabSz="457200" rtl="0" eaLnBrk="1" latinLnBrk="0" hangingPunct="1">
-              <a:spcBef>
-                <a:spcPct val="20000"/>
-              </a:spcBef>
-              <a:buFont typeface="Arial"/>
-              <a:buChar char="•"/>
-              <a:defRPr sz="2000" kern="1200">
-                <a:solidFill>
-                  <a:schemeClr val="tx1"/>
-                </a:solidFill>
-                <a:latin typeface="+mn-lt"/>
-                <a:ea typeface="+mn-ea"/>
-                <a:cs typeface="+mn-cs"/>
-              </a:defRPr>
-            </a:lvl7pPr>
-            <a:lvl8pPr marL="3429000" indent="-228600" algn="l" defTabSz="457200" rtl="0" eaLnBrk="1" latinLnBrk="0" hangingPunct="1">
-              <a:spcBef>
-                <a:spcPct val="20000"/>
-              </a:spcBef>
-              <a:buFont typeface="Arial"/>
-              <a:buChar char="•"/>
-              <a:defRPr sz="2000" kern="1200">
-                <a:solidFill>
-                  <a:schemeClr val="tx1"/>
-                </a:solidFill>
-                <a:latin typeface="+mn-lt"/>
-                <a:ea typeface="+mn-ea"/>
-                <a:cs typeface="+mn-cs"/>
-              </a:defRPr>
-            </a:lvl8pPr>
-            <a:lvl9pPr marL="3886200" indent="-228600" algn="l" defTabSz="457200" rtl="0" eaLnBrk="1" latinLnBrk="0" hangingPunct="1">
-              <a:spcBef>
-                <a:spcPct val="20000"/>
-              </a:spcBef>
-              <a:buFont typeface="Arial"/>
-              <a:buChar char="•"/>
-              <a:defRPr sz="2000" kern="1200">
-                <a:solidFill>
-                  <a:schemeClr val="tx1"/>
-                </a:solidFill>
-                <a:latin typeface="+mn-lt"/>
-                <a:ea typeface="+mn-ea"/>
-                <a:cs typeface="+mn-cs"/>
-              </a:defRPr>
-            </a:lvl9pPr>
-          </a:lstStyle>
-          <a:p>
-            <a:pPr marL="0" indent="0">
-              <a:buFont typeface="Arial"/>
-              <a:buNone/>
-              <a:defRPr sz="2000"/>
-            </a:pPr>
-            <a:r>
-              <a:rPr lang="es-MX" sz="2000" dirty="0" err="1"/>
-              <a:t>public</a:t>
-            </a:r>
-            <a:r>
-              <a:rPr lang="es-MX" sz="2000" dirty="0"/>
-              <a:t> </a:t>
-            </a:r>
-            <a:r>
-              <a:rPr lang="es-MX" sz="2000" dirty="0" err="1"/>
-              <a:t>void</a:t>
-            </a:r>
-            <a:r>
-              <a:rPr lang="es-MX" sz="2000" dirty="0"/>
-              <a:t> </a:t>
-            </a:r>
-            <a:r>
-              <a:rPr lang="es-MX" sz="2000" dirty="0" err="1"/>
-              <a:t>RegistroParadas</a:t>
-            </a:r>
-            <a:r>
-              <a:rPr lang="es-MX" sz="2000" dirty="0"/>
-              <a:t>() {</a:t>
-            </a:r>
-          </a:p>
-          <a:p>
-            <a:pPr marL="0" indent="0">
-              <a:buFont typeface="Arial"/>
-              <a:buNone/>
-              <a:defRPr sz="2000"/>
-            </a:pPr>
-            <a:r>
-              <a:rPr lang="es-MX" sz="2000" dirty="0"/>
-              <a:t>    </a:t>
-            </a:r>
-            <a:r>
-              <a:rPr lang="es-MX" sz="2000" dirty="0" err="1"/>
-              <a:t>sc.nextLine</a:t>
-            </a:r>
-            <a:r>
-              <a:rPr lang="es-MX" sz="2000" dirty="0"/>
-              <a:t>(); // buffer</a:t>
-            </a:r>
-          </a:p>
-          <a:p>
-            <a:pPr marL="0" indent="0">
-              <a:buFont typeface="Arial"/>
-              <a:buNone/>
-              <a:defRPr sz="2000"/>
-            </a:pPr>
-            <a:endParaRPr lang="es-MX" sz="2000" dirty="0"/>
-          </a:p>
-          <a:p>
-            <a:pPr marL="0" indent="0">
-              <a:buFont typeface="Arial"/>
-              <a:buNone/>
-              <a:defRPr sz="2000"/>
-            </a:pPr>
-            <a:r>
-              <a:rPr lang="es-MX" sz="2000" dirty="0"/>
-              <a:t>    try {</a:t>
-            </a:r>
-          </a:p>
-          <a:p>
-            <a:pPr marL="0" indent="0">
-              <a:buFont typeface="Arial"/>
-              <a:buNone/>
-              <a:defRPr sz="2000"/>
-            </a:pPr>
-            <a:r>
-              <a:rPr lang="es-MX" sz="2000" dirty="0"/>
-              <a:t>        </a:t>
-            </a:r>
-            <a:r>
-              <a:rPr lang="es-MX" sz="2000" dirty="0" err="1"/>
-              <a:t>System.out.println</a:t>
-            </a:r>
-            <a:r>
-              <a:rPr lang="es-MX" sz="2000" dirty="0"/>
-              <a:t>("Ingrese el numero de bus: ");</a:t>
-            </a:r>
-          </a:p>
-          <a:p>
-            <a:pPr marL="0" indent="0">
-              <a:buFont typeface="Arial"/>
-              <a:buNone/>
-              <a:defRPr sz="2000"/>
-            </a:pPr>
-            <a:r>
-              <a:rPr lang="es-MX" sz="2000" dirty="0"/>
-              <a:t>        </a:t>
-            </a:r>
-            <a:r>
-              <a:rPr lang="es-MX" sz="2000" dirty="0" err="1"/>
-              <a:t>String</a:t>
-            </a:r>
-            <a:r>
-              <a:rPr lang="es-MX" sz="2000" dirty="0"/>
-              <a:t> </a:t>
-            </a:r>
-            <a:r>
-              <a:rPr lang="es-MX" sz="2000" dirty="0" err="1"/>
-              <a:t>nBus</a:t>
-            </a:r>
-            <a:r>
-              <a:rPr lang="es-MX" sz="2000" dirty="0"/>
-              <a:t> = </a:t>
-            </a:r>
-            <a:r>
-              <a:rPr lang="es-MX" sz="2000" dirty="0" err="1"/>
-              <a:t>sc.nextLine</a:t>
-            </a:r>
-            <a:r>
-              <a:rPr lang="es-MX" sz="2000" dirty="0"/>
-              <a:t>();</a:t>
-            </a:r>
-          </a:p>
-          <a:p>
-            <a:pPr marL="0" indent="0">
-              <a:buFont typeface="Arial"/>
-              <a:buNone/>
-              <a:defRPr sz="2000"/>
-            </a:pPr>
-            <a:endParaRPr lang="es-MX" sz="2000" dirty="0"/>
-          </a:p>
-          <a:p>
-            <a:pPr marL="0" indent="0">
-              <a:buFont typeface="Arial"/>
-              <a:buNone/>
-              <a:defRPr sz="2000"/>
-            </a:pPr>
-            <a:r>
-              <a:rPr lang="es-MX" sz="2000" dirty="0"/>
-              <a:t>        File archivo = new File("bus " + </a:t>
-            </a:r>
-            <a:r>
-              <a:rPr lang="es-MX" sz="2000" dirty="0" err="1"/>
-              <a:t>nBus</a:t>
-            </a:r>
-            <a:r>
-              <a:rPr lang="es-MX" sz="2000" dirty="0"/>
-              <a:t> + ".</a:t>
-            </a:r>
-            <a:r>
-              <a:rPr lang="es-MX" sz="2000" dirty="0" err="1"/>
-              <a:t>txt</a:t>
-            </a:r>
-            <a:r>
-              <a:rPr lang="es-MX" sz="2000" dirty="0"/>
-              <a:t>");</a:t>
-            </a:r>
-          </a:p>
-          <a:p>
-            <a:pPr marL="0" indent="0">
-              <a:buFont typeface="Arial"/>
-              <a:buNone/>
-              <a:defRPr sz="2000"/>
-            </a:pPr>
-            <a:endParaRPr lang="es-MX" sz="2000" dirty="0"/>
-          </a:p>
-          <a:p>
-            <a:pPr marL="0" indent="0">
-              <a:buFont typeface="Arial"/>
-              <a:buNone/>
-              <a:defRPr sz="2000"/>
-            </a:pPr>
-            <a:r>
-              <a:rPr lang="es-MX" sz="2000" dirty="0"/>
-              <a:t>        </a:t>
-            </a:r>
-            <a:r>
-              <a:rPr lang="es-MX" sz="2000" dirty="0" err="1"/>
-              <a:t>if</a:t>
-            </a:r>
-            <a:r>
-              <a:rPr lang="es-MX" sz="2000" dirty="0"/>
-              <a:t> (</a:t>
-            </a:r>
-            <a:r>
-              <a:rPr lang="es-MX" sz="2000" dirty="0" err="1"/>
-              <a:t>archivo.exists</a:t>
-            </a:r>
-            <a:r>
-              <a:rPr lang="es-MX" sz="2000" dirty="0"/>
-              <a:t>()) {</a:t>
-            </a:r>
-          </a:p>
-          <a:p>
-            <a:pPr marL="0" indent="0">
-              <a:buFont typeface="Arial"/>
-              <a:buNone/>
-              <a:defRPr sz="2000"/>
-            </a:pPr>
-            <a:r>
-              <a:rPr lang="es-MX" sz="2000" dirty="0"/>
-              <a:t>            </a:t>
-            </a:r>
-            <a:r>
-              <a:rPr lang="es-MX" sz="2000" dirty="0" err="1"/>
-              <a:t>System.out.println</a:t>
-            </a:r>
-            <a:r>
-              <a:rPr lang="es-MX" sz="2000" dirty="0"/>
-              <a:t>("El numero de bus " + </a:t>
-            </a:r>
-            <a:r>
-              <a:rPr lang="es-MX" sz="2000" dirty="0" err="1"/>
-              <a:t>nBus</a:t>
-            </a:r>
-            <a:r>
-              <a:rPr lang="es-MX" sz="2000" dirty="0"/>
-              <a:t> + " ya esta registrado.");</a:t>
-            </a:r>
-          </a:p>
-          <a:p>
-            <a:pPr marL="0" indent="0">
-              <a:buFont typeface="Arial"/>
-              <a:buNone/>
-              <a:defRPr sz="2000"/>
-            </a:pPr>
-            <a:r>
-              <a:rPr lang="es-MX" sz="2000" dirty="0"/>
-              <a:t>            </a:t>
-            </a:r>
-            <a:r>
-              <a:rPr lang="es-MX" sz="2000" dirty="0" err="1"/>
-              <a:t>return</a:t>
-            </a:r>
-            <a:r>
-              <a:rPr lang="es-MX" sz="2000" dirty="0"/>
-              <a:t>;</a:t>
-            </a:r>
-          </a:p>
-          <a:p>
-            <a:pPr marL="0" indent="0">
-              <a:buFont typeface="Arial"/>
-              <a:buNone/>
-              <a:defRPr sz="2000"/>
-            </a:pPr>
-            <a:r>
-              <a:rPr lang="es-MX" sz="2000" dirty="0"/>
-              <a:t>        }</a:t>
-            </a:r>
-          </a:p>
-          <a:p>
-            <a:pPr marL="0" indent="0">
-              <a:buFont typeface="Arial"/>
-              <a:buNone/>
-              <a:defRPr sz="2000"/>
-            </a:pPr>
-            <a:endParaRPr lang="es-MX" sz="2000" dirty="0"/>
-          </a:p>
-          <a:p>
-            <a:pPr marL="0" indent="0">
-              <a:buFont typeface="Arial"/>
-              <a:buNone/>
-              <a:defRPr sz="2000"/>
-            </a:pPr>
-            <a:r>
-              <a:rPr lang="es-MX" sz="2000" dirty="0"/>
-              <a:t>        </a:t>
-            </a:r>
-            <a:r>
-              <a:rPr lang="es-MX" sz="2000" dirty="0" err="1"/>
-              <a:t>FileWriter</a:t>
-            </a:r>
-            <a:r>
-              <a:rPr lang="es-MX" sz="2000" dirty="0"/>
-              <a:t> escritor = new </a:t>
-            </a:r>
-            <a:r>
-              <a:rPr lang="es-MX" sz="2000" dirty="0" err="1"/>
-              <a:t>FileWriter</a:t>
-            </a:r>
-            <a:r>
-              <a:rPr lang="es-MX" sz="2000" dirty="0"/>
-              <a:t>(archivo, true);</a:t>
-            </a:r>
-          </a:p>
-          <a:p>
-            <a:pPr marL="0" indent="0">
-              <a:buFont typeface="Arial"/>
-              <a:buNone/>
-              <a:defRPr sz="2000"/>
-            </a:pPr>
-            <a:endParaRPr lang="es-MX" sz="2000" dirty="0"/>
-          </a:p>
-          <a:p>
-            <a:pPr marL="0" indent="0">
-              <a:buFont typeface="Arial"/>
-              <a:buNone/>
-              <a:defRPr sz="2000"/>
-            </a:pPr>
-            <a:r>
-              <a:rPr lang="es-MX" sz="2000" dirty="0"/>
-              <a:t>        // Cabecera</a:t>
-            </a:r>
-          </a:p>
-          <a:p>
-            <a:pPr marL="0" indent="0">
-              <a:buFont typeface="Arial"/>
-              <a:buNone/>
-              <a:defRPr sz="2000"/>
-            </a:pPr>
-            <a:r>
-              <a:rPr lang="es-MX" sz="2000" dirty="0"/>
-              <a:t>        </a:t>
-            </a:r>
-            <a:r>
-              <a:rPr lang="es-MX" sz="2000" dirty="0" err="1"/>
-              <a:t>escritor.write</a:t>
-            </a:r>
-            <a:r>
-              <a:rPr lang="es-MX" sz="2000" dirty="0"/>
-              <a:t>(</a:t>
-            </a:r>
-            <a:r>
-              <a:rPr lang="es-MX" sz="2000" dirty="0" err="1"/>
-              <a:t>String.format</a:t>
-            </a:r>
-            <a:r>
-              <a:rPr lang="es-MX" sz="2000" dirty="0"/>
-              <a:t>("%-10s %-20s %-20s %-25s %-10s\n", </a:t>
-            </a:r>
-          </a:p>
-          <a:p>
-            <a:pPr marL="0" indent="0">
-              <a:buFont typeface="Arial"/>
-              <a:buNone/>
-              <a:defRPr sz="2000"/>
-            </a:pPr>
-            <a:r>
-              <a:rPr lang="es-MX" sz="2000" dirty="0"/>
-              <a:t>            "</a:t>
-            </a:r>
-            <a:r>
-              <a:rPr lang="es-MX" sz="2000" dirty="0" err="1"/>
-              <a:t>NrBus</a:t>
-            </a:r>
-            <a:r>
-              <a:rPr lang="es-MX" sz="2000" dirty="0"/>
-              <a:t>", "Desde/Hacia", "Nombre", "</a:t>
-            </a:r>
-            <a:r>
-              <a:rPr lang="es-MX" sz="2000" dirty="0" err="1"/>
-              <a:t>Ubicacion</a:t>
-            </a:r>
-            <a:r>
-              <a:rPr lang="es-MX" sz="2000" dirty="0"/>
-              <a:t>", "Horario"));</a:t>
-            </a:r>
-          </a:p>
-          <a:p>
-            <a:pPr marL="0" indent="0">
-              <a:buFont typeface="Arial"/>
-              <a:buNone/>
-              <a:defRPr sz="2000"/>
-            </a:pPr>
-            <a:r>
-              <a:rPr lang="es-MX" sz="2000" dirty="0"/>
-              <a:t>        </a:t>
-            </a:r>
-            <a:r>
-              <a:rPr lang="es-MX" sz="2000" dirty="0" err="1"/>
-              <a:t>escritor.write</a:t>
-            </a:r>
-            <a:r>
-              <a:rPr lang="es-MX" sz="2000" dirty="0"/>
-              <a:t>("-------------------------------------------------------------------------------------------\n");</a:t>
-            </a:r>
-          </a:p>
-          <a:p>
-            <a:pPr marL="0" indent="0">
-              <a:buFont typeface="Arial"/>
-              <a:buNone/>
-              <a:defRPr sz="2000"/>
-            </a:pPr>
-            <a:endParaRPr lang="es-MX" sz="2000" dirty="0"/>
-          </a:p>
-          <a:p>
-            <a:pPr marL="0" indent="0">
-              <a:buFont typeface="Arial"/>
-              <a:buNone/>
-              <a:defRPr sz="2000"/>
-            </a:pPr>
-            <a:r>
-              <a:rPr lang="es-MX" sz="2000" dirty="0"/>
-              <a:t>        </a:t>
-            </a:r>
-            <a:r>
-              <a:rPr lang="es-MX" sz="2000" dirty="0" err="1"/>
-              <a:t>System.out.println</a:t>
-            </a:r>
-            <a:r>
-              <a:rPr lang="es-MX" sz="2000" dirty="0"/>
-              <a:t>("Ingrese el nombre de la parada: ");</a:t>
-            </a:r>
-          </a:p>
-          <a:p>
-            <a:pPr marL="0" indent="0">
-              <a:buFont typeface="Arial"/>
-              <a:buNone/>
-              <a:defRPr sz="2000"/>
-            </a:pPr>
-            <a:r>
-              <a:rPr lang="es-MX" sz="2000" dirty="0"/>
-              <a:t>        </a:t>
-            </a:r>
-            <a:r>
-              <a:rPr lang="es-MX" sz="2000" dirty="0" err="1"/>
-              <a:t>String</a:t>
-            </a:r>
-            <a:r>
-              <a:rPr lang="es-MX" sz="2000" dirty="0"/>
-              <a:t> </a:t>
-            </a:r>
-            <a:r>
-              <a:rPr lang="es-MX" sz="2000" dirty="0" err="1"/>
-              <a:t>nom</a:t>
-            </a:r>
-            <a:r>
-              <a:rPr lang="es-MX" sz="2000" dirty="0"/>
-              <a:t> = </a:t>
-            </a:r>
-            <a:r>
-              <a:rPr lang="es-MX" sz="2000" dirty="0" err="1"/>
-              <a:t>sc.nextLine</a:t>
-            </a:r>
-            <a:r>
-              <a:rPr lang="es-MX" sz="2000" dirty="0"/>
-              <a:t>();</a:t>
-            </a:r>
-          </a:p>
-          <a:p>
-            <a:pPr marL="0" indent="0">
-              <a:buFont typeface="Arial"/>
-              <a:buNone/>
-              <a:defRPr sz="2000"/>
-            </a:pPr>
-            <a:endParaRPr lang="es-MX" sz="2000" dirty="0"/>
-          </a:p>
-          <a:p>
-            <a:pPr marL="0" indent="0">
-              <a:buFont typeface="Arial"/>
-              <a:buNone/>
-              <a:defRPr sz="2000"/>
-            </a:pPr>
-            <a:r>
-              <a:rPr lang="es-MX" sz="2000" dirty="0"/>
-              <a:t>        </a:t>
-            </a:r>
-            <a:r>
-              <a:rPr lang="es-MX" sz="2000" dirty="0" err="1"/>
-              <a:t>System.out.println</a:t>
-            </a:r>
-            <a:r>
-              <a:rPr lang="es-MX" sz="2000" dirty="0"/>
-              <a:t>("Ingrese la </a:t>
-            </a:r>
-            <a:r>
-              <a:rPr lang="es-MX" sz="2000" dirty="0" err="1"/>
-              <a:t>ubicacion</a:t>
-            </a:r>
-            <a:r>
-              <a:rPr lang="es-MX" sz="2000" dirty="0"/>
-              <a:t>/calles: ");</a:t>
-            </a:r>
-          </a:p>
-          <a:p>
-            <a:pPr marL="0" indent="0">
-              <a:buFont typeface="Arial"/>
-              <a:buNone/>
-              <a:defRPr sz="2000"/>
-            </a:pPr>
-            <a:r>
-              <a:rPr lang="es-MX" sz="2000" dirty="0"/>
-              <a:t>        </a:t>
-            </a:r>
-            <a:r>
-              <a:rPr lang="es-MX" sz="2000" dirty="0" err="1"/>
-              <a:t>String</a:t>
-            </a:r>
-            <a:r>
-              <a:rPr lang="es-MX" sz="2000" dirty="0"/>
-              <a:t> </a:t>
-            </a:r>
-            <a:r>
-              <a:rPr lang="es-MX" sz="2000" dirty="0" err="1"/>
-              <a:t>ubi</a:t>
-            </a:r>
-            <a:r>
-              <a:rPr lang="es-MX" sz="2000" dirty="0"/>
-              <a:t> = </a:t>
-            </a:r>
-            <a:r>
-              <a:rPr lang="es-MX" sz="2000" dirty="0" err="1"/>
-              <a:t>sc.nextLine</a:t>
-            </a:r>
-            <a:r>
-              <a:rPr lang="es-MX" sz="2000" dirty="0"/>
-              <a:t>();</a:t>
-            </a:r>
-          </a:p>
-          <a:p>
-            <a:pPr marL="0" indent="0">
-              <a:buFont typeface="Arial"/>
-              <a:buNone/>
-              <a:defRPr sz="2000"/>
-            </a:pPr>
-            <a:endParaRPr lang="es-MX" sz="2000" dirty="0"/>
-          </a:p>
-          <a:p>
-            <a:pPr marL="0" indent="0">
-              <a:buFont typeface="Arial"/>
-              <a:buNone/>
-              <a:defRPr sz="2000"/>
-            </a:pPr>
-            <a:r>
-              <a:rPr lang="es-MX" sz="2000" dirty="0"/>
-              <a:t>        </a:t>
-            </a:r>
-            <a:r>
-              <a:rPr lang="es-MX" sz="2000" dirty="0" err="1"/>
-              <a:t>System.out.println</a:t>
-            </a:r>
-            <a:r>
-              <a:rPr lang="es-MX" sz="2000" dirty="0"/>
-              <a:t>("Cuantos horarios va a ingresar?: ");</a:t>
-            </a:r>
-          </a:p>
-          <a:p>
-            <a:pPr marL="0" indent="0">
-              <a:buFont typeface="Arial"/>
-              <a:buNone/>
-              <a:defRPr sz="2000"/>
-            </a:pPr>
-            <a:r>
-              <a:rPr lang="es-MX" sz="2000" dirty="0"/>
-              <a:t>        </a:t>
-            </a:r>
-            <a:r>
-              <a:rPr lang="es-MX" sz="2000" dirty="0" err="1"/>
-              <a:t>int</a:t>
-            </a:r>
-            <a:r>
-              <a:rPr lang="es-MX" sz="2000" dirty="0"/>
-              <a:t> </a:t>
-            </a:r>
-            <a:r>
-              <a:rPr lang="es-MX" sz="2000" dirty="0" err="1"/>
-              <a:t>nH</a:t>
-            </a:r>
-            <a:r>
-              <a:rPr lang="es-MX" sz="2000" dirty="0"/>
-              <a:t> = </a:t>
-            </a:r>
-            <a:r>
-              <a:rPr lang="es-MX" sz="2000" dirty="0" err="1"/>
-              <a:t>sc.nextInt</a:t>
-            </a:r>
-            <a:r>
-              <a:rPr lang="es-MX" sz="2000" dirty="0"/>
-              <a:t>();</a:t>
-            </a:r>
-          </a:p>
-          <a:p>
-            <a:pPr marL="0" indent="0">
-              <a:buFont typeface="Arial"/>
-              <a:buNone/>
-              <a:defRPr sz="2000"/>
-            </a:pPr>
-            <a:r>
-              <a:rPr lang="es-MX" sz="2000" dirty="0"/>
-              <a:t>        </a:t>
-            </a:r>
-            <a:r>
-              <a:rPr lang="es-MX" sz="2000" dirty="0" err="1"/>
-              <a:t>sc.nextLine</a:t>
-            </a:r>
-            <a:r>
-              <a:rPr lang="es-MX" sz="2000" dirty="0"/>
-              <a:t>();</a:t>
-            </a:r>
-          </a:p>
-        </p:txBody>
-      </p:sp>
-      <p:sp>
-        <p:nvSpPr>
-          <p:cNvPr id="9" name="Content Placeholder 2">
-            <a:extLst>
-              <a:ext uri="{FF2B5EF4-FFF2-40B4-BE49-F238E27FC236}">
-                <a16:creationId xmlns:a16="http://schemas.microsoft.com/office/drawing/2014/main" id="{F4C24D44-1ADD-3A6A-C76A-E081900DA138}"/>
-              </a:ext>
-            </a:extLst>
-          </p:cNvPr>
-          <p:cNvSpPr txBox="1">
-            <a:spLocks/>
-          </p:cNvSpPr>
-          <p:nvPr/>
-        </p:nvSpPr>
-        <p:spPr>
-          <a:xfrm>
-            <a:off x="4685124" y="1282046"/>
-            <a:ext cx="4539793" cy="5085999"/>
-          </a:xfrm>
-          <a:prstGeom prst="rect">
-            <a:avLst/>
-          </a:prstGeom>
-        </p:spPr>
-        <p:txBody>
-          <a:bodyPr vert="horz" lIns="91440" tIns="45720" rIns="91440" bIns="45720" rtlCol="0">
-            <a:normAutofit fontScale="62500" lnSpcReduction="20000"/>
-          </a:bodyPr>
-          <a:lstStyle>
-            <a:lvl1pPr marL="342900" indent="-342900" algn="l" defTabSz="457200" rtl="0" eaLnBrk="1" latinLnBrk="0" hangingPunct="1">
-              <a:spcBef>
-                <a:spcPct val="20000"/>
-              </a:spcBef>
-              <a:buFont typeface="Arial"/>
-              <a:buChar char="•"/>
-              <a:defRPr sz="3200" kern="1200">
-                <a:solidFill>
-                  <a:schemeClr val="tx1"/>
-                </a:solidFill>
-                <a:latin typeface="+mn-lt"/>
-                <a:ea typeface="+mn-ea"/>
-                <a:cs typeface="+mn-cs"/>
-              </a:defRPr>
-            </a:lvl1pPr>
-            <a:lvl2pPr marL="742950" indent="-285750" algn="l" defTabSz="457200" rtl="0" eaLnBrk="1" latinLnBrk="0" hangingPunct="1">
-              <a:spcBef>
-                <a:spcPct val="20000"/>
-              </a:spcBef>
-              <a:buFont typeface="Arial"/>
-              <a:buChar char="–"/>
-              <a:defRPr sz="2800" kern="1200">
-                <a:solidFill>
-                  <a:schemeClr val="tx1"/>
-                </a:solidFill>
-                <a:latin typeface="+mn-lt"/>
-                <a:ea typeface="+mn-ea"/>
-                <a:cs typeface="+mn-cs"/>
-              </a:defRPr>
-            </a:lvl2pPr>
-            <a:lvl3pPr marL="1143000" indent="-228600" algn="l" defTabSz="457200" rtl="0" eaLnBrk="1" latinLnBrk="0" hangingPunct="1">
-              <a:spcBef>
-                <a:spcPct val="20000"/>
-              </a:spcBef>
-              <a:buFont typeface="Arial"/>
-              <a:buChar char="•"/>
-              <a:defRPr sz="2400" kern="1200">
-                <a:solidFill>
-                  <a:schemeClr val="tx1"/>
-                </a:solidFill>
-                <a:latin typeface="+mn-lt"/>
-                <a:ea typeface="+mn-ea"/>
-                <a:cs typeface="+mn-cs"/>
-              </a:defRPr>
-            </a:lvl3pPr>
-            <a:lvl4pPr marL="1600200" indent="-228600" algn="l" defTabSz="457200" rtl="0" eaLnBrk="1" latinLnBrk="0" hangingPunct="1">
-              <a:spcBef>
-                <a:spcPct val="20000"/>
-              </a:spcBef>
-              <a:buFont typeface="Arial"/>
-              <a:buChar char="–"/>
-              <a:defRPr sz="2000" kern="1200">
-                <a:solidFill>
-                  <a:schemeClr val="tx1"/>
-                </a:solidFill>
-                <a:latin typeface="+mn-lt"/>
-                <a:ea typeface="+mn-ea"/>
-                <a:cs typeface="+mn-cs"/>
-              </a:defRPr>
-            </a:lvl4pPr>
-            <a:lvl5pPr marL="2057400" indent="-228600" algn="l" defTabSz="457200" rtl="0" eaLnBrk="1" latinLnBrk="0" hangingPunct="1">
-              <a:spcBef>
-                <a:spcPct val="20000"/>
-              </a:spcBef>
-              <a:buFont typeface="Arial"/>
-              <a:buChar char="»"/>
-              <a:defRPr sz="2000" kern="1200">
-                <a:solidFill>
-                  <a:schemeClr val="tx1"/>
-                </a:solidFill>
-                <a:latin typeface="+mn-lt"/>
-                <a:ea typeface="+mn-ea"/>
-                <a:cs typeface="+mn-cs"/>
-              </a:defRPr>
-            </a:lvl5pPr>
-            <a:lvl6pPr marL="2514600" indent="-228600" algn="l" defTabSz="457200" rtl="0" eaLnBrk="1" latinLnBrk="0" hangingPunct="1">
-              <a:spcBef>
-                <a:spcPct val="20000"/>
-              </a:spcBef>
-              <a:buFont typeface="Arial"/>
-              <a:buChar char="•"/>
-              <a:defRPr sz="2000" kern="1200">
-                <a:solidFill>
-                  <a:schemeClr val="tx1"/>
-                </a:solidFill>
-                <a:latin typeface="+mn-lt"/>
-                <a:ea typeface="+mn-ea"/>
-                <a:cs typeface="+mn-cs"/>
-              </a:defRPr>
-            </a:lvl6pPr>
-            <a:lvl7pPr marL="2971800" indent="-228600" algn="l" defTabSz="457200" rtl="0" eaLnBrk="1" latinLnBrk="0" hangingPunct="1">
-              <a:spcBef>
-                <a:spcPct val="20000"/>
-              </a:spcBef>
-              <a:buFont typeface="Arial"/>
-              <a:buChar char="•"/>
-              <a:defRPr sz="2000" kern="1200">
-                <a:solidFill>
-                  <a:schemeClr val="tx1"/>
-                </a:solidFill>
-                <a:latin typeface="+mn-lt"/>
-                <a:ea typeface="+mn-ea"/>
-                <a:cs typeface="+mn-cs"/>
-              </a:defRPr>
-            </a:lvl7pPr>
-            <a:lvl8pPr marL="3429000" indent="-228600" algn="l" defTabSz="457200" rtl="0" eaLnBrk="1" latinLnBrk="0" hangingPunct="1">
-              <a:spcBef>
-                <a:spcPct val="20000"/>
-              </a:spcBef>
-              <a:buFont typeface="Arial"/>
-              <a:buChar char="•"/>
-              <a:defRPr sz="2000" kern="1200">
-                <a:solidFill>
-                  <a:schemeClr val="tx1"/>
-                </a:solidFill>
-                <a:latin typeface="+mn-lt"/>
-                <a:ea typeface="+mn-ea"/>
-                <a:cs typeface="+mn-cs"/>
-              </a:defRPr>
-            </a:lvl8pPr>
-            <a:lvl9pPr marL="3886200" indent="-228600" algn="l" defTabSz="457200" rtl="0" eaLnBrk="1" latinLnBrk="0" hangingPunct="1">
-              <a:spcBef>
-                <a:spcPct val="20000"/>
-              </a:spcBef>
-              <a:buFont typeface="Arial"/>
-              <a:buChar char="•"/>
-              <a:defRPr sz="2000" kern="1200">
-                <a:solidFill>
-                  <a:schemeClr val="tx1"/>
-                </a:solidFill>
-                <a:latin typeface="+mn-lt"/>
-                <a:ea typeface="+mn-ea"/>
-                <a:cs typeface="+mn-cs"/>
-              </a:defRPr>
-            </a:lvl9pPr>
-          </a:lstStyle>
-          <a:p>
-            <a:pPr marL="0" indent="0">
-              <a:buFont typeface="Arial"/>
-              <a:buNone/>
-              <a:defRPr sz="2000"/>
-            </a:pPr>
-            <a:r>
-              <a:rPr lang="es-MX" sz="2000" dirty="0" err="1"/>
-              <a:t>for</a:t>
-            </a:r>
-            <a:r>
-              <a:rPr lang="es-MX" sz="2000" dirty="0"/>
-              <a:t> (</a:t>
-            </a:r>
-            <a:r>
-              <a:rPr lang="es-MX" sz="2000" dirty="0" err="1"/>
-              <a:t>int</a:t>
-            </a:r>
-            <a:r>
-              <a:rPr lang="es-MX" sz="2000" dirty="0"/>
-              <a:t> i = 0; i &lt; </a:t>
-            </a:r>
-            <a:r>
-              <a:rPr lang="es-MX" sz="2000" dirty="0" err="1"/>
-              <a:t>nH</a:t>
-            </a:r>
-            <a:r>
-              <a:rPr lang="es-MX" sz="2000" dirty="0"/>
-              <a:t>; i++) {</a:t>
-            </a:r>
-          </a:p>
-          <a:p>
-            <a:pPr marL="0" indent="0">
-              <a:buFont typeface="Arial"/>
-              <a:buNone/>
-              <a:defRPr sz="2000"/>
-            </a:pPr>
-            <a:r>
-              <a:rPr lang="es-MX" sz="2000" dirty="0"/>
-              <a:t>            </a:t>
-            </a:r>
-            <a:r>
-              <a:rPr lang="es-MX" sz="2000" dirty="0" err="1"/>
-              <a:t>System.out.println</a:t>
-            </a:r>
-            <a:r>
-              <a:rPr lang="es-MX" sz="2000" dirty="0"/>
-              <a:t>("Ingrese el horario " + (i + 1) + ": ");</a:t>
-            </a:r>
-          </a:p>
-          <a:p>
-            <a:pPr marL="0" indent="0">
-              <a:buFont typeface="Arial"/>
-              <a:buNone/>
-              <a:defRPr sz="2000"/>
-            </a:pPr>
-            <a:r>
-              <a:rPr lang="es-MX" sz="2000" dirty="0"/>
-              <a:t>            </a:t>
-            </a:r>
-            <a:r>
-              <a:rPr lang="es-MX" sz="2000" dirty="0" err="1"/>
-              <a:t>String</a:t>
-            </a:r>
-            <a:r>
-              <a:rPr lang="es-MX" sz="2000" dirty="0"/>
-              <a:t> horario = </a:t>
-            </a:r>
-            <a:r>
-              <a:rPr lang="es-MX" sz="2000" dirty="0" err="1"/>
-              <a:t>sc.nextLine</a:t>
-            </a:r>
-            <a:r>
-              <a:rPr lang="es-MX" sz="2000" dirty="0"/>
-              <a:t>();</a:t>
-            </a:r>
-          </a:p>
-          <a:p>
-            <a:pPr marL="0" indent="0">
-              <a:buFont typeface="Arial"/>
-              <a:buNone/>
-              <a:defRPr sz="2000"/>
-            </a:pPr>
-            <a:endParaRPr lang="es-MX" sz="2000" dirty="0"/>
-          </a:p>
-          <a:p>
-            <a:pPr marL="0" indent="0">
-              <a:buFont typeface="Arial"/>
-              <a:buNone/>
-              <a:defRPr sz="2000"/>
-            </a:pPr>
-            <a:r>
-              <a:rPr lang="es-MX" sz="2000" dirty="0"/>
-              <a:t>            </a:t>
-            </a:r>
-            <a:r>
-              <a:rPr lang="es-MX" sz="2000" dirty="0" err="1"/>
-              <a:t>System.out.println</a:t>
-            </a:r>
-            <a:r>
-              <a:rPr lang="es-MX" sz="2000" dirty="0"/>
-              <a:t>("Desde UTPL / Hacia UTPL?: ");</a:t>
-            </a:r>
-          </a:p>
-          <a:p>
-            <a:pPr marL="0" indent="0">
-              <a:buFont typeface="Arial"/>
-              <a:buNone/>
-              <a:defRPr sz="2000"/>
-            </a:pPr>
-            <a:r>
-              <a:rPr lang="es-MX" sz="2000" dirty="0"/>
-              <a:t>            </a:t>
-            </a:r>
-            <a:r>
-              <a:rPr lang="es-MX" sz="2000" dirty="0" err="1"/>
-              <a:t>String</a:t>
-            </a:r>
-            <a:r>
-              <a:rPr lang="es-MX" sz="2000" dirty="0"/>
-              <a:t> salida = </a:t>
-            </a:r>
-            <a:r>
-              <a:rPr lang="es-MX" sz="2000" dirty="0" err="1"/>
-              <a:t>sc.nextLine</a:t>
-            </a:r>
-            <a:r>
-              <a:rPr lang="es-MX" sz="2000" dirty="0"/>
-              <a:t>();</a:t>
-            </a:r>
-          </a:p>
-          <a:p>
-            <a:pPr marL="0" indent="0">
-              <a:buFont typeface="Arial"/>
-              <a:buNone/>
-              <a:defRPr sz="2000"/>
-            </a:pPr>
-            <a:endParaRPr lang="es-MX" sz="2000" dirty="0"/>
-          </a:p>
-          <a:p>
-            <a:pPr marL="0" indent="0">
-              <a:buFont typeface="Arial"/>
-              <a:buNone/>
-              <a:defRPr sz="2000"/>
-            </a:pPr>
-            <a:r>
-              <a:rPr lang="es-MX" sz="2000" dirty="0"/>
-              <a:t>            </a:t>
-            </a:r>
-            <a:r>
-              <a:rPr lang="es-MX" sz="2000" dirty="0" err="1"/>
-              <a:t>String</a:t>
-            </a:r>
-            <a:r>
-              <a:rPr lang="es-MX" sz="2000" dirty="0"/>
-              <a:t> ruta = </a:t>
-            </a:r>
-            <a:r>
-              <a:rPr lang="es-MX" sz="2000" dirty="0" err="1"/>
-              <a:t>gestionRutas</a:t>
-            </a:r>
-            <a:r>
-              <a:rPr lang="es-MX" sz="2000" dirty="0"/>
-              <a:t>();</a:t>
-            </a:r>
-          </a:p>
-          <a:p>
-            <a:pPr marL="0" indent="0">
-              <a:buFont typeface="Arial"/>
-              <a:buNone/>
-              <a:defRPr sz="2000"/>
-            </a:pPr>
-            <a:endParaRPr lang="es-MX" sz="2000" dirty="0"/>
-          </a:p>
-          <a:p>
-            <a:pPr marL="0" indent="0">
-              <a:buFont typeface="Arial"/>
-              <a:buNone/>
-              <a:defRPr sz="2000"/>
-            </a:pPr>
-            <a:r>
-              <a:rPr lang="es-MX" sz="2000" dirty="0"/>
-              <a:t>            </a:t>
-            </a:r>
-            <a:r>
-              <a:rPr lang="es-MX" sz="2000" dirty="0" err="1"/>
-              <a:t>String</a:t>
-            </a:r>
-            <a:r>
-              <a:rPr lang="es-MX" sz="2000" dirty="0"/>
-              <a:t> </a:t>
-            </a:r>
-            <a:r>
-              <a:rPr lang="es-MX" sz="2000" dirty="0" err="1"/>
-              <a:t>linea</a:t>
-            </a:r>
-            <a:r>
-              <a:rPr lang="es-MX" sz="2000" dirty="0"/>
-              <a:t> = </a:t>
-            </a:r>
-            <a:r>
-              <a:rPr lang="es-MX" sz="2000" dirty="0" err="1"/>
-              <a:t>String.format</a:t>
-            </a:r>
-            <a:r>
-              <a:rPr lang="es-MX" sz="2000" dirty="0"/>
-              <a:t>("\n%-10s %-20s %-20s %-20s %-10s", </a:t>
-            </a:r>
-          </a:p>
-          <a:p>
-            <a:pPr marL="0" indent="0">
-              <a:buFont typeface="Arial"/>
-              <a:buNone/>
-              <a:defRPr sz="2000"/>
-            </a:pPr>
-            <a:r>
-              <a:rPr lang="es-MX" sz="2000" dirty="0"/>
-              <a:t>                </a:t>
-            </a:r>
-            <a:r>
-              <a:rPr lang="es-MX" sz="2000" dirty="0" err="1"/>
-              <a:t>nBus</a:t>
-            </a:r>
-            <a:r>
-              <a:rPr lang="es-MX" sz="2000" dirty="0"/>
-              <a:t>, salida, </a:t>
-            </a:r>
-            <a:r>
-              <a:rPr lang="es-MX" sz="2000" dirty="0" err="1"/>
-              <a:t>nom</a:t>
-            </a:r>
-            <a:r>
-              <a:rPr lang="es-MX" sz="2000" dirty="0"/>
-              <a:t>, </a:t>
-            </a:r>
-            <a:r>
-              <a:rPr lang="es-MX" sz="2000" dirty="0" err="1"/>
-              <a:t>ubi</a:t>
-            </a:r>
-            <a:r>
-              <a:rPr lang="es-MX" sz="2000" dirty="0"/>
-              <a:t>, horario);</a:t>
-            </a:r>
-          </a:p>
-          <a:p>
-            <a:pPr marL="0" indent="0">
-              <a:buFont typeface="Arial"/>
-              <a:buNone/>
-              <a:defRPr sz="2000"/>
-            </a:pPr>
-            <a:r>
-              <a:rPr lang="es-MX" sz="2000" dirty="0"/>
-              <a:t>            </a:t>
-            </a:r>
-            <a:r>
-              <a:rPr lang="es-MX" sz="2000" dirty="0" err="1"/>
-              <a:t>escritor.write</a:t>
-            </a:r>
-            <a:r>
-              <a:rPr lang="es-MX" sz="2000" dirty="0"/>
-              <a:t>(</a:t>
-            </a:r>
-            <a:r>
-              <a:rPr lang="es-MX" sz="2000" dirty="0" err="1"/>
-              <a:t>linea</a:t>
-            </a:r>
-            <a:r>
-              <a:rPr lang="es-MX" sz="2000" dirty="0"/>
-              <a:t>);</a:t>
-            </a:r>
-          </a:p>
-          <a:p>
-            <a:pPr marL="0" indent="0">
-              <a:buFont typeface="Arial"/>
-              <a:buNone/>
-              <a:defRPr sz="2000"/>
-            </a:pPr>
-            <a:r>
-              <a:rPr lang="es-MX" sz="2000" dirty="0"/>
-              <a:t>            </a:t>
-            </a:r>
-            <a:r>
-              <a:rPr lang="es-MX" sz="2000" dirty="0" err="1"/>
-              <a:t>escritor.write</a:t>
-            </a:r>
-            <a:r>
-              <a:rPr lang="es-MX" sz="2000" dirty="0"/>
-              <a:t>("\n" + ruta + "\n");</a:t>
-            </a:r>
-          </a:p>
-          <a:p>
-            <a:pPr marL="0" indent="0">
-              <a:buFont typeface="Arial"/>
-              <a:buNone/>
-              <a:defRPr sz="2000"/>
-            </a:pPr>
-            <a:r>
-              <a:rPr lang="es-MX" sz="2000" dirty="0"/>
-              <a:t>        }</a:t>
-            </a:r>
-          </a:p>
-          <a:p>
-            <a:pPr marL="0" indent="0">
-              <a:buFont typeface="Arial"/>
-              <a:buNone/>
-              <a:defRPr sz="2000"/>
-            </a:pPr>
-            <a:endParaRPr lang="es-MX" sz="2000" dirty="0"/>
-          </a:p>
-          <a:p>
-            <a:pPr marL="0" indent="0">
-              <a:buFont typeface="Arial"/>
-              <a:buNone/>
-              <a:defRPr sz="2000"/>
-            </a:pPr>
-            <a:r>
-              <a:rPr lang="es-MX" sz="2000" dirty="0"/>
-              <a:t>        </a:t>
-            </a:r>
-            <a:r>
-              <a:rPr lang="es-MX" sz="2000" dirty="0" err="1"/>
-              <a:t>escritor.close</a:t>
-            </a:r>
-            <a:r>
-              <a:rPr lang="es-MX" sz="2000" dirty="0"/>
-              <a:t>();</a:t>
-            </a:r>
-          </a:p>
-          <a:p>
-            <a:pPr marL="0" indent="0">
-              <a:buFont typeface="Arial"/>
-              <a:buNone/>
-              <a:defRPr sz="2000"/>
-            </a:pPr>
-            <a:r>
-              <a:rPr lang="es-MX" sz="2000" dirty="0"/>
-              <a:t>        </a:t>
-            </a:r>
-            <a:r>
-              <a:rPr lang="es-MX" sz="2000" dirty="0" err="1"/>
-              <a:t>System.out.println</a:t>
-            </a:r>
-            <a:r>
-              <a:rPr lang="es-MX" sz="2000" dirty="0"/>
-              <a:t>("Archivo creado correctamente.");</a:t>
-            </a:r>
-          </a:p>
-          <a:p>
-            <a:pPr marL="0" indent="0">
-              <a:buFont typeface="Arial"/>
-              <a:buNone/>
-              <a:defRPr sz="2000"/>
-            </a:pPr>
-            <a:endParaRPr lang="es-MX" sz="2000" dirty="0"/>
-          </a:p>
-          <a:p>
-            <a:pPr marL="0" indent="0">
-              <a:buFont typeface="Arial"/>
-              <a:buNone/>
-              <a:defRPr sz="2000"/>
-            </a:pPr>
-            <a:r>
-              <a:rPr lang="es-MX" sz="2000" dirty="0"/>
-              <a:t>    } catch (</a:t>
-            </a:r>
-            <a:r>
-              <a:rPr lang="es-MX" sz="2000" dirty="0" err="1"/>
-              <a:t>IOException</a:t>
-            </a:r>
-            <a:r>
-              <a:rPr lang="es-MX" sz="2000" dirty="0"/>
-              <a:t> e) {</a:t>
-            </a:r>
-          </a:p>
-          <a:p>
-            <a:pPr marL="0" indent="0">
-              <a:buFont typeface="Arial"/>
-              <a:buNone/>
-              <a:defRPr sz="2000"/>
-            </a:pPr>
-            <a:r>
-              <a:rPr lang="es-MX" sz="2000" dirty="0"/>
-              <a:t>        </a:t>
-            </a:r>
-            <a:r>
-              <a:rPr lang="es-MX" sz="2000" dirty="0" err="1"/>
-              <a:t>System.out.println</a:t>
-            </a:r>
-            <a:r>
-              <a:rPr lang="es-MX" sz="2000" dirty="0"/>
-              <a:t>("</a:t>
-            </a:r>
-            <a:r>
-              <a:rPr lang="es-MX" sz="2000" dirty="0" err="1"/>
-              <a:t>Ocurrio</a:t>
-            </a:r>
-            <a:r>
-              <a:rPr lang="es-MX" sz="2000" dirty="0"/>
-              <a:t> un error.");</a:t>
-            </a:r>
-          </a:p>
-          <a:p>
-            <a:pPr marL="0" indent="0">
-              <a:buFont typeface="Arial"/>
-              <a:buNone/>
-              <a:defRPr sz="2000"/>
-            </a:pPr>
-            <a:r>
-              <a:rPr lang="es-MX" sz="2000" dirty="0"/>
-              <a:t>        </a:t>
-            </a:r>
-            <a:r>
-              <a:rPr lang="es-MX" sz="2000" dirty="0" err="1"/>
-              <a:t>e.printStackTrace</a:t>
-            </a:r>
-            <a:r>
-              <a:rPr lang="es-MX" sz="2000" dirty="0"/>
-              <a:t>();</a:t>
-            </a:r>
-          </a:p>
-          <a:p>
-            <a:pPr marL="0" indent="0">
-              <a:buFont typeface="Arial"/>
-              <a:buNone/>
-              <a:defRPr sz="2000"/>
-            </a:pPr>
-            <a:r>
-              <a:rPr lang="es-MX" sz="2000" dirty="0"/>
-              <a:t>    }</a:t>
-            </a:r>
-          </a:p>
-          <a:p>
-            <a:pPr marL="0" indent="0">
-              <a:buFont typeface="Arial"/>
-              <a:buNone/>
-              <a:defRPr sz="2000"/>
-            </a:pPr>
-            <a:r>
-              <a:rPr lang="es-MX" sz="2000" dirty="0"/>
-              <a:t>}</a:t>
-            </a:r>
-          </a:p>
-        </p:txBody>
-      </p:sp>
-      <p:cxnSp>
-        <p:nvCxnSpPr>
-          <p:cNvPr id="11" name="Conector recto 10">
-            <a:extLst>
-              <a:ext uri="{FF2B5EF4-FFF2-40B4-BE49-F238E27FC236}">
-                <a16:creationId xmlns:a16="http://schemas.microsoft.com/office/drawing/2014/main" id="{AB8989B9-F402-A609-8E4F-A66E76D77847}"/>
-              </a:ext>
-            </a:extLst>
-          </p:cNvPr>
-          <p:cNvCxnSpPr>
-            <a:cxnSpLocks/>
-          </p:cNvCxnSpPr>
-          <p:nvPr/>
-        </p:nvCxnSpPr>
-        <p:spPr>
-          <a:xfrm>
-            <a:off x="4571999" y="1282046"/>
-            <a:ext cx="0" cy="5703216"/>
-          </a:xfrm>
-          <a:prstGeom prst="line">
-            <a:avLst/>
-          </a:prstGeom>
-        </p:spPr>
-        <p:style>
-          <a:lnRef idx="2">
-            <a:schemeClr val="accent1"/>
-          </a:lnRef>
-          <a:fillRef idx="0">
-            <a:schemeClr val="accent1"/>
-          </a:fillRef>
-          <a:effectRef idx="1">
-            <a:schemeClr val="accent1"/>
-          </a:effectRef>
-          <a:fontRef idx="minor">
-            <a:schemeClr val="tx1"/>
-          </a:fontRef>
-        </p:style>
-      </p:cxnSp>
+      </p:pic>
     </p:spTree>
   </p:cSld>
   <p:clrMapOvr>
@@ -6315,225 +5054,36 @@
           <a:chExt cx="0" cy="0"/>
         </a:xfrm>
       </p:grpSpPr>
-      <p:sp>
-        <p:nvSpPr>
-          <p:cNvPr id="3" name="Marcador de contenido 2">
+      <p:pic>
+        <p:nvPicPr>
+          <p:cNvPr id="6" name="Imagen 5">
             <a:extLst>
               <a:ext uri="{FF2B5EF4-FFF2-40B4-BE49-F238E27FC236}">
-                <a16:creationId xmlns:a16="http://schemas.microsoft.com/office/drawing/2014/main" id="{BE360253-B878-D09D-E1ED-AD688A52413C}"/>
+                <a16:creationId xmlns:a16="http://schemas.microsoft.com/office/drawing/2014/main" id="{D346F9C9-7D54-105E-471F-5341D732B619}"/>
               </a:ext>
             </a:extLst>
           </p:cNvPr>
-          <p:cNvSpPr>
-            <a:spLocks noGrp="1"/>
-          </p:cNvSpPr>
-          <p:nvPr>
-            <p:ph idx="1"/>
-          </p:nvPr>
-        </p:nvSpPr>
+          <p:cNvPicPr>
+            <a:picLocks noChangeAspect="1"/>
+          </p:cNvPicPr>
+          <p:nvPr/>
+        </p:nvPicPr>
+        <p:blipFill>
+          <a:blip r:embed="rId2"/>
+          <a:stretch>
+            <a:fillRect/>
+          </a:stretch>
+        </p:blipFill>
         <p:spPr>
           <a:xfrm>
-            <a:off x="457200" y="864910"/>
-            <a:ext cx="8229600" cy="4525963"/>
+            <a:off x="465640" y="1137677"/>
+            <a:ext cx="8212720" cy="4582646"/>
           </a:xfrm>
+          <a:prstGeom prst="rect">
+            <a:avLst/>
+          </a:prstGeom>
         </p:spPr>
-        <p:txBody>
-          <a:bodyPr>
-            <a:normAutofit fontScale="77500" lnSpcReduction="20000"/>
-          </a:bodyPr>
-          <a:lstStyle/>
-          <a:p>
-            <a:pPr marL="0" indent="0">
-              <a:buNone/>
-            </a:pPr>
-            <a:r>
-              <a:rPr lang="es-EC" dirty="0"/>
-              <a:t>// Pedir numero de bus</a:t>
-            </a:r>
-          </a:p>
-          <a:p>
-            <a:pPr marL="0" indent="0">
-              <a:buNone/>
-            </a:pPr>
-            <a:r>
-              <a:rPr lang="es-EC" dirty="0"/>
-              <a:t>        </a:t>
-            </a:r>
-            <a:r>
-              <a:rPr lang="es-EC" dirty="0" err="1"/>
-              <a:t>System.out.print</a:t>
-            </a:r>
-            <a:r>
-              <a:rPr lang="es-EC" dirty="0"/>
-              <a:t>("\</a:t>
-            </a:r>
-            <a:r>
-              <a:rPr lang="es-EC" dirty="0" err="1"/>
-              <a:t>nIngrese</a:t>
-            </a:r>
-            <a:r>
-              <a:rPr lang="es-EC" dirty="0"/>
-              <a:t> el numero de bus que desea consultar: ");</a:t>
-            </a:r>
-          </a:p>
-          <a:p>
-            <a:pPr marL="0" indent="0">
-              <a:buNone/>
-            </a:pPr>
-            <a:r>
-              <a:rPr lang="es-EC" dirty="0"/>
-              <a:t>        </a:t>
-            </a:r>
-            <a:r>
-              <a:rPr lang="es-EC" dirty="0" err="1"/>
-              <a:t>String</a:t>
-            </a:r>
-            <a:r>
-              <a:rPr lang="es-EC" dirty="0"/>
-              <a:t> </a:t>
-            </a:r>
-            <a:r>
-              <a:rPr lang="es-EC" dirty="0" err="1"/>
-              <a:t>nBus</a:t>
-            </a:r>
-            <a:r>
-              <a:rPr lang="es-EC" dirty="0"/>
-              <a:t> = </a:t>
-            </a:r>
-            <a:r>
-              <a:rPr lang="es-EC" dirty="0" err="1"/>
-              <a:t>sc.nextLine</a:t>
-            </a:r>
-            <a:r>
-              <a:rPr lang="es-EC" dirty="0"/>
-              <a:t>();</a:t>
-            </a:r>
-          </a:p>
-          <a:p>
-            <a:endParaRPr lang="es-EC" dirty="0"/>
-          </a:p>
-          <a:p>
-            <a:pPr marL="0" indent="0">
-              <a:buNone/>
-            </a:pPr>
-            <a:r>
-              <a:rPr lang="es-EC" dirty="0"/>
-              <a:t>        File archivo = new File("bus " + </a:t>
-            </a:r>
-            <a:r>
-              <a:rPr lang="es-EC" dirty="0" err="1"/>
-              <a:t>nBus</a:t>
-            </a:r>
-            <a:r>
-              <a:rPr lang="es-EC" dirty="0"/>
-              <a:t> + ".</a:t>
-            </a:r>
-            <a:r>
-              <a:rPr lang="es-EC" dirty="0" err="1"/>
-              <a:t>txt</a:t>
-            </a:r>
-            <a:r>
-              <a:rPr lang="es-EC" dirty="0"/>
-              <a:t>");</a:t>
-            </a:r>
-          </a:p>
-          <a:p>
-            <a:endParaRPr lang="es-EC" dirty="0"/>
-          </a:p>
-          <a:p>
-            <a:pPr marL="0" indent="0">
-              <a:buNone/>
-            </a:pPr>
-            <a:r>
-              <a:rPr lang="es-EC" dirty="0"/>
-              <a:t>        </a:t>
-            </a:r>
-            <a:r>
-              <a:rPr lang="es-EC" dirty="0" err="1"/>
-              <a:t>if</a:t>
-            </a:r>
-            <a:r>
-              <a:rPr lang="es-EC" dirty="0"/>
-              <a:t> (!</a:t>
-            </a:r>
-            <a:r>
-              <a:rPr lang="es-EC" dirty="0" err="1"/>
-              <a:t>archivo.exists</a:t>
-            </a:r>
-            <a:r>
-              <a:rPr lang="es-EC" dirty="0"/>
-              <a:t>()) {</a:t>
-            </a:r>
-          </a:p>
-          <a:p>
-            <a:pPr marL="0" indent="0">
-              <a:buNone/>
-            </a:pPr>
-            <a:r>
-              <a:rPr lang="es-EC" dirty="0"/>
-              <a:t>            </a:t>
-            </a:r>
-            <a:r>
-              <a:rPr lang="es-EC" dirty="0" err="1"/>
-              <a:t>System.out.println</a:t>
-            </a:r>
-            <a:r>
-              <a:rPr lang="es-EC" dirty="0"/>
-              <a:t>("No se </a:t>
-            </a:r>
-            <a:r>
-              <a:rPr lang="es-EC" dirty="0" err="1"/>
-              <a:t>encontro</a:t>
-            </a:r>
-            <a:r>
-              <a:rPr lang="es-EC" dirty="0"/>
-              <a:t> </a:t>
-            </a:r>
-            <a:r>
-              <a:rPr lang="es-EC" dirty="0" err="1"/>
-              <a:t>informacion</a:t>
-            </a:r>
-            <a:r>
-              <a:rPr lang="es-EC" dirty="0"/>
-              <a:t> para el bus numero " + </a:t>
-            </a:r>
-            <a:r>
-              <a:rPr lang="es-EC" dirty="0" err="1"/>
-              <a:t>nBus</a:t>
-            </a:r>
-            <a:r>
-              <a:rPr lang="es-EC" dirty="0"/>
-              <a:t>);</a:t>
-            </a:r>
-          </a:p>
-          <a:p>
-            <a:pPr marL="0" indent="0">
-              <a:buNone/>
-            </a:pPr>
-            <a:r>
-              <a:rPr lang="es-EC" dirty="0"/>
-              <a:t>            </a:t>
-            </a:r>
-            <a:r>
-              <a:rPr lang="es-EC" dirty="0" err="1"/>
-              <a:t>return</a:t>
-            </a:r>
-            <a:r>
-              <a:rPr lang="es-EC" dirty="0"/>
-              <a:t>;</a:t>
-            </a:r>
-          </a:p>
-          <a:p>
-            <a:pPr marL="0" indent="0">
-              <a:buNone/>
-            </a:pPr>
-            <a:r>
-              <a:rPr lang="es-EC" dirty="0"/>
-              <a:t>        }</a:t>
-            </a:r>
-          </a:p>
-        </p:txBody>
-      </p:sp>
+      </p:pic>
     </p:spTree>
     <p:extLst>
       <p:ext uri="{BB962C8B-B14F-4D97-AF65-F5344CB8AC3E}">
@@ -6564,251 +5114,35 @@
           <a:chExt cx="0" cy="0"/>
         </a:xfrm>
       </p:grpSpPr>
-      <p:sp>
-        <p:nvSpPr>
-          <p:cNvPr id="3" name="Marcador de contenido 2">
+      <p:pic>
+        <p:nvPicPr>
+          <p:cNvPr id="4" name="Marcador de contenido 3">
             <a:extLst>
               <a:ext uri="{FF2B5EF4-FFF2-40B4-BE49-F238E27FC236}">
-                <a16:creationId xmlns:a16="http://schemas.microsoft.com/office/drawing/2014/main" id="{6BD55B5F-7B62-46F3-B3C0-313F7DBAD5EA}"/>
+                <a16:creationId xmlns:a16="http://schemas.microsoft.com/office/drawing/2014/main" id="{B3743E80-5EF7-62DD-26FC-4E99E21D65E7}"/>
               </a:ext>
             </a:extLst>
           </p:cNvPr>
-          <p:cNvSpPr>
-            <a:spLocks noGrp="1"/>
-          </p:cNvSpPr>
+          <p:cNvPicPr>
+            <a:picLocks noGrp="1" noChangeAspect="1"/>
+          </p:cNvPicPr>
           <p:nvPr>
             <p:ph idx="1"/>
           </p:nvPr>
-        </p:nvSpPr>
+        </p:nvPicPr>
+        <p:blipFill>
+          <a:blip r:embed="rId2"/>
+          <a:stretch>
+            <a:fillRect/>
+          </a:stretch>
+        </p:blipFill>
         <p:spPr>
           <a:xfrm>
-            <a:off x="513762" y="84841"/>
-            <a:ext cx="6858000" cy="3429000"/>
+            <a:off x="1260309" y="1036034"/>
+            <a:ext cx="5432722" cy="1862022"/>
           </a:xfrm>
         </p:spPr>
-        <p:txBody>
-          <a:bodyPr>
-            <a:normAutofit fontScale="55000" lnSpcReduction="20000"/>
-          </a:bodyPr>
-          <a:lstStyle/>
-          <a:p>
-            <a:pPr marL="0" indent="0">
-              <a:buNone/>
-            </a:pPr>
-            <a:r>
-              <a:rPr lang="es-EC" dirty="0" err="1"/>
-              <a:t>System.out.println</a:t>
-            </a:r>
-            <a:r>
-              <a:rPr lang="es-EC" dirty="0"/>
-              <a:t>("\</a:t>
-            </a:r>
-            <a:r>
-              <a:rPr lang="es-EC" dirty="0" err="1"/>
-              <a:t>nInformacion</a:t>
-            </a:r>
-            <a:r>
-              <a:rPr lang="es-EC" dirty="0"/>
-              <a:t> del Bus " + </a:t>
-            </a:r>
-            <a:r>
-              <a:rPr lang="es-EC" dirty="0" err="1"/>
-              <a:t>nBus</a:t>
-            </a:r>
-            <a:r>
-              <a:rPr lang="es-EC" dirty="0"/>
-              <a:t> + ":");</a:t>
-            </a:r>
-          </a:p>
-          <a:p>
-            <a:pPr marL="0" indent="0">
-              <a:buNone/>
-            </a:pPr>
-            <a:r>
-              <a:rPr lang="es-EC" dirty="0"/>
-              <a:t>        try (Scanner lector = new Scanner(archivo)) {</a:t>
-            </a:r>
-          </a:p>
-          <a:p>
-            <a:pPr marL="0" indent="0">
-              <a:buNone/>
-            </a:pPr>
-            <a:r>
-              <a:rPr lang="es-EC" dirty="0"/>
-              <a:t>           </a:t>
-            </a:r>
-            <a:r>
-              <a:rPr lang="es-EC" dirty="0" err="1"/>
-              <a:t>while</a:t>
-            </a:r>
-            <a:r>
-              <a:rPr lang="es-EC" dirty="0"/>
-              <a:t> (</a:t>
-            </a:r>
-            <a:r>
-              <a:rPr lang="es-EC" dirty="0" err="1"/>
-              <a:t>lector.hasNextLine</a:t>
-            </a:r>
-            <a:r>
-              <a:rPr lang="es-EC" dirty="0"/>
-              <a:t>()) {</a:t>
-            </a:r>
-          </a:p>
-          <a:p>
-            <a:pPr marL="0" indent="0">
-              <a:buNone/>
-            </a:pPr>
-            <a:r>
-              <a:rPr lang="es-EC" dirty="0"/>
-              <a:t>                </a:t>
-            </a:r>
-            <a:r>
-              <a:rPr lang="es-EC" dirty="0" err="1"/>
-              <a:t>String</a:t>
-            </a:r>
-            <a:r>
-              <a:rPr lang="es-EC" dirty="0"/>
-              <a:t> </a:t>
-            </a:r>
-            <a:r>
-              <a:rPr lang="es-EC" dirty="0" err="1"/>
-              <a:t>linea</a:t>
-            </a:r>
-            <a:r>
-              <a:rPr lang="es-EC" dirty="0"/>
-              <a:t> = </a:t>
-            </a:r>
-            <a:r>
-              <a:rPr lang="es-EC" dirty="0" err="1"/>
-              <a:t>lector.nextLine</a:t>
-            </a:r>
-            <a:r>
-              <a:rPr lang="es-EC" dirty="0"/>
-              <a:t>();</a:t>
-            </a:r>
-          </a:p>
-          <a:p>
-            <a:pPr marL="0" indent="0">
-              <a:buNone/>
-            </a:pPr>
-            <a:r>
-              <a:rPr lang="es-EC" dirty="0"/>
-              <a:t>                </a:t>
-            </a:r>
-            <a:r>
-              <a:rPr lang="es-EC" dirty="0" err="1"/>
-              <a:t>System.out.println</a:t>
-            </a:r>
-            <a:r>
-              <a:rPr lang="es-EC" dirty="0"/>
-              <a:t>(</a:t>
-            </a:r>
-            <a:r>
-              <a:rPr lang="es-EC" dirty="0" err="1"/>
-              <a:t>linea</a:t>
-            </a:r>
-            <a:r>
-              <a:rPr lang="es-EC" dirty="0"/>
-              <a:t>);</a:t>
-            </a:r>
-          </a:p>
-          <a:p>
-            <a:pPr marL="0" indent="0">
-              <a:buNone/>
-            </a:pPr>
-            <a:r>
-              <a:rPr lang="es-EC" dirty="0"/>
-              <a:t>            }</a:t>
-            </a:r>
-          </a:p>
-          <a:p>
-            <a:pPr marL="0" indent="0">
-              <a:buNone/>
-            </a:pPr>
-            <a:r>
-              <a:rPr lang="es-EC" dirty="0"/>
-              <a:t>        } catch (</a:t>
-            </a:r>
-            <a:r>
-              <a:rPr lang="es-EC" dirty="0" err="1"/>
-              <a:t>IOException</a:t>
-            </a:r>
-            <a:r>
-              <a:rPr lang="es-EC" dirty="0"/>
-              <a:t> e) {</a:t>
-            </a:r>
-          </a:p>
-          <a:p>
-            <a:pPr marL="0" indent="0">
-              <a:buNone/>
-            </a:pPr>
-            <a:r>
-              <a:rPr lang="es-EC" dirty="0"/>
-              <a:t>            </a:t>
-            </a:r>
-            <a:r>
-              <a:rPr lang="es-EC" dirty="0" err="1"/>
-              <a:t>System.out.println</a:t>
-            </a:r>
-            <a:r>
-              <a:rPr lang="es-EC" dirty="0"/>
-              <a:t>("</a:t>
-            </a:r>
-            <a:r>
-              <a:rPr lang="es-EC" dirty="0" err="1"/>
-              <a:t>Ocurrio</a:t>
-            </a:r>
-            <a:r>
-              <a:rPr lang="es-EC" dirty="0"/>
-              <a:t> un error al leer el archivo.");</a:t>
-            </a:r>
-          </a:p>
-          <a:p>
-            <a:pPr marL="0" indent="0">
-              <a:buNone/>
-            </a:pPr>
-            <a:r>
-              <a:rPr lang="es-EC" dirty="0"/>
-              <a:t>            </a:t>
-            </a:r>
-            <a:r>
-              <a:rPr lang="es-EC" dirty="0" err="1"/>
-              <a:t>e.printStackTrace</a:t>
-            </a:r>
-            <a:r>
-              <a:rPr lang="es-EC" dirty="0"/>
-              <a:t>();</a:t>
-            </a:r>
-          </a:p>
-          <a:p>
-            <a:pPr marL="0" indent="0">
-              <a:buNone/>
-            </a:pPr>
-            <a:r>
-              <a:rPr lang="es-EC" dirty="0"/>
-              <a:t>        }</a:t>
-            </a:r>
-          </a:p>
-          <a:p>
-            <a:pPr marL="0" indent="0">
-              <a:buNone/>
-            </a:pPr>
-            <a:r>
-              <a:rPr lang="es-EC" dirty="0"/>
-              <a:t>    }</a:t>
-            </a:r>
-          </a:p>
-          <a:p>
-            <a:pPr marL="0" indent="0">
-              <a:buNone/>
-            </a:pPr>
-            <a:r>
-              <a:rPr lang="es-EC" dirty="0"/>
-              <a:t>}</a:t>
-            </a:r>
-          </a:p>
-        </p:txBody>
-      </p:sp>
+      </p:pic>
       <p:pic>
         <p:nvPicPr>
           <p:cNvPr id="5" name="Imagen 4">
@@ -6824,14 +5158,14 @@
           <p:nvPr/>
         </p:nvPicPr>
         <p:blipFill>
-          <a:blip r:embed="rId2"/>
+          <a:blip r:embed="rId3"/>
           <a:stretch>
             <a:fillRect/>
           </a:stretch>
         </p:blipFill>
         <p:spPr>
           <a:xfrm>
-            <a:off x="756693" y="3843779"/>
+            <a:off x="568157" y="3429000"/>
             <a:ext cx="7166711" cy="2662400"/>
           </a:xfrm>
           <a:prstGeom prst="rect">
@@ -6890,14 +5224,29 @@
           <a:lstStyle/>
           <a:p>
             <a:r>
-              <a:rPr lang="es-EC" b="0" i="0" dirty="0">
-                <a:solidFill>
-                  <a:srgbClr val="273540"/>
-                </a:solidFill>
-                <a:effectLst/>
-                <a:latin typeface="LatoWeb"/>
-              </a:rPr>
-              <a:t>dificultades</a:t>
+              <a:rPr lang="es-MX" b="1" dirty="0"/>
+              <a:t> </a:t>
+            </a:r>
+            <a:r>
+              <a:rPr lang="es-MX" b="1" dirty="0" err="1">
+                <a:latin typeface="Times New Roman" panose="02020603050405020304" pitchFamily="18" charset="0"/>
+                <a:cs typeface="Times New Roman" panose="02020603050405020304" pitchFamily="18" charset="0"/>
+              </a:rPr>
+              <a:t>Di</a:t>
+            </a:r>
+            <a:r>
+              <a:rPr lang="es-MX" sz="4400" b="1" dirty="0" err="1">
+                <a:latin typeface="Times New Roman" panose="02020603050405020304" pitchFamily="18" charset="0"/>
+                <a:cs typeface="Times New Roman" panose="02020603050405020304" pitchFamily="18" charset="0"/>
+              </a:rPr>
+              <a:t>filcutades</a:t>
+            </a:r>
+            <a:r>
+              <a:rPr lang="es-MX" sz="4400" b="1" dirty="0">
+                <a:latin typeface="Times New Roman" panose="02020603050405020304" pitchFamily="18" charset="0"/>
+                <a:cs typeface="Times New Roman" panose="02020603050405020304" pitchFamily="18" charset="0"/>
+              </a:rPr>
+              <a:t> </a:t>
             </a:r>
             <a:endParaRPr dirty="0"/>
           </a:p>
